--- a/Desafio_Final/MovieScope/Apresentação.pptx
+++ b/Desafio_Final/MovieScope/Apresentação.pptx
@@ -6,6 +6,7 @@
   </p:sldMasterIdLst>
   <p:sldIdLst>
     <p:sldId id="256" r:id="rId2"/>
+    <p:sldId id="257" r:id="rId3"/>
   </p:sldIdLst>
   <p:sldSz cx="12192000" cy="6858000"/>
   <p:notesSz cx="6858000" cy="9144000"/>
@@ -104,6 +105,11 @@
       </a:defRPr>
     </a:lvl9pPr>
   </p:defaultTextStyle>
+  <p:extLst>
+    <p:ext uri="{EFAFB233-063F-42B5-8137-9DF3F51BA10A}">
+      <p15:sldGuideLst xmlns:p15="http://schemas.microsoft.com/office/powerpoint/2012/main"/>
+    </p:ext>
+  </p:extLst>
 </p:presentation>
 </file>
 
@@ -3367,7 +3373,7 @@
           <a:bodyPr/>
           <a:lstStyle/>
           <a:p>
-            <a:endParaRPr lang="pt-BR"/>
+            <a:endParaRPr lang="pt-BR" dirty="0"/>
           </a:p>
         </p:txBody>
       </p:sp>
@@ -3375,6 +3381,195 @@
     <p:extLst>
       <p:ext uri="{BB962C8B-B14F-4D97-AF65-F5344CB8AC3E}">
         <p14:creationId xmlns:p14="http://schemas.microsoft.com/office/powerpoint/2010/main" val="3946569108"/>
+      </p:ext>
+    </p:extLst>
+  </p:cSld>
+  <p:clrMapOvr>
+    <a:masterClrMapping/>
+  </p:clrMapOvr>
+</p:sld>
+</file>
+
+<file path=ppt/slides/slide2.xml><?xml version="1.0" encoding="utf-8"?>
+<p:sld xmlns:a="http://schemas.openxmlformats.org/drawingml/2006/main" xmlns:r="http://schemas.openxmlformats.org/officeDocument/2006/relationships" xmlns:p="http://schemas.openxmlformats.org/presentationml/2006/main">
+  <p:cSld>
+    <p:spTree>
+      <p:nvGrpSpPr>
+        <p:cNvPr id="1" name=""/>
+        <p:cNvGrpSpPr/>
+        <p:nvPr/>
+      </p:nvGrpSpPr>
+      <p:grpSpPr>
+        <a:xfrm>
+          <a:off x="0" y="0"/>
+          <a:ext cx="0" cy="0"/>
+          <a:chOff x="0" y="0"/>
+          <a:chExt cx="0" cy="0"/>
+        </a:xfrm>
+      </p:grpSpPr>
+      <p:sp>
+        <p:nvSpPr>
+          <p:cNvPr id="2" name="Título 1">
+            <a:extLst>
+              <a:ext uri="{FF2B5EF4-FFF2-40B4-BE49-F238E27FC236}">
+                <a16:creationId xmlns:a16="http://schemas.microsoft.com/office/drawing/2014/main" id="{3B0A61BD-4454-8C6C-2741-A8BF6BF41613}"/>
+              </a:ext>
+            </a:extLst>
+          </p:cNvPr>
+          <p:cNvSpPr>
+            <a:spLocks noGrp="1"/>
+          </p:cNvSpPr>
+          <p:nvPr>
+            <p:ph type="title"/>
+          </p:nvPr>
+        </p:nvSpPr>
+        <p:spPr/>
+        <p:txBody>
+          <a:bodyPr/>
+          <a:lstStyle/>
+          <a:p>
+            <a:endParaRPr lang="pt-BR"/>
+          </a:p>
+        </p:txBody>
+      </p:sp>
+      <p:sp>
+        <p:nvSpPr>
+          <p:cNvPr id="3" name="Espaço Reservado para Conteúdo 2">
+            <a:extLst>
+              <a:ext uri="{FF2B5EF4-FFF2-40B4-BE49-F238E27FC236}">
+                <a16:creationId xmlns:a16="http://schemas.microsoft.com/office/drawing/2014/main" id="{E55666BD-E626-1775-0846-A182A4325EF6}"/>
+              </a:ext>
+            </a:extLst>
+          </p:cNvPr>
+          <p:cNvSpPr>
+            <a:spLocks noGrp="1"/>
+          </p:cNvSpPr>
+          <p:nvPr>
+            <p:ph idx="1"/>
+          </p:nvPr>
+        </p:nvSpPr>
+        <p:spPr/>
+        <p:txBody>
+          <a:bodyPr>
+            <a:normAutofit fontScale="40000" lnSpcReduction="20000"/>
+          </a:bodyPr>
+          <a:lstStyle/>
+          <a:p>
+            <a:endParaRPr lang="pt-BR" dirty="0"/>
+          </a:p>
+          <a:p>
+            <a:r>
+              <a:rPr lang="pt-BR" dirty="0"/>
+              <a:t>cenário:</a:t>
+            </a:r>
+          </a:p>
+          <a:p>
+            <a:r>
+              <a:rPr lang="pt-BR" dirty="0"/>
+              <a:t>Como cientista de dados da </a:t>
+            </a:r>
+            <a:r>
+              <a:rPr lang="pt-BR" dirty="0" err="1"/>
+              <a:t>MovieScope</a:t>
+            </a:r>
+            <a:r>
+              <a:rPr lang="pt-BR" dirty="0"/>
+              <a:t>, analisei o </a:t>
+            </a:r>
+            <a:r>
+              <a:rPr lang="pt-BR" dirty="0" err="1"/>
+              <a:t>dataset</a:t>
+            </a:r>
+            <a:r>
+              <a:rPr lang="pt-BR" dirty="0"/>
+              <a:t> TMDB 5000 para encontrar padrões de sucesso e prever a avaliação dos filmes.</a:t>
+            </a:r>
+          </a:p>
+          <a:p>
+            <a:endParaRPr lang="pt-BR" dirty="0"/>
+          </a:p>
+          <a:p>
+            <a:r>
+              <a:rPr lang="pt-BR" dirty="0"/>
+              <a:t>Perguntas e Análises:</a:t>
+            </a:r>
+          </a:p>
+          <a:p>
+            <a:r>
+              <a:rPr lang="pt-BR" dirty="0"/>
+              <a:t>Quais as características dos filmes de maior sucesso?** A análise mostrou que filmes de grande sucesso (alta receita) geralmente possuem orçamentos muito elevados, mas a relação não é linear, indicando que um grande orçamento não garante o sucesso financeiro.</a:t>
+            </a:r>
+          </a:p>
+          <a:p>
+            <a:r>
+              <a:rPr lang="pt-BR" dirty="0"/>
+              <a:t>Como as notas dos filmes se distribuem?** A maioria dos filmes recebe notas entre 6 e 7, com uma distribuição normal. Gêneros como Drama e História tendem a ter medianas de nota ligeiramente mais altas.</a:t>
+            </a:r>
+          </a:p>
+          <a:p>
+            <a:r>
+              <a:rPr lang="pt-BR" dirty="0"/>
+              <a:t>Qual o perfil geral do catálogo?** O catálogo é dominado por filmes em inglês, com uma grande concentração de filmes de Drama, Comédia e Ação.</a:t>
+            </a:r>
+          </a:p>
+          <a:p>
+            <a:endParaRPr lang="pt-BR" dirty="0"/>
+          </a:p>
+          <a:p>
+            <a:r>
+              <a:rPr lang="pt-BR" dirty="0"/>
+              <a:t>Modelos e Resultados</a:t>
+            </a:r>
+          </a:p>
+          <a:p>
+            <a:r>
+              <a:rPr lang="pt-BR" dirty="0"/>
+              <a:t>Um modelo de Regressão Linear foi criado para prever a nota média. Ele demonstrou que variáveis como orçamento e popularidade têm um poder preditivo limitado (R² de 0.35), confirmando que a qualidade percebida de um filme é mais complexa do que apenas suas métricas de produção e popularidade.</a:t>
+            </a:r>
+          </a:p>
+          <a:p>
+            <a:endParaRPr lang="pt-BR" dirty="0"/>
+          </a:p>
+          <a:p>
+            <a:r>
+              <a:rPr lang="pt-BR" dirty="0"/>
+              <a:t>Sugestões de Negócio:</a:t>
+            </a:r>
+          </a:p>
+          <a:p>
+            <a:r>
+              <a:rPr lang="pt-BR" dirty="0"/>
+              <a:t>Para estúdios:** Investir em gêneros com avaliações consistentemente altas (como Drama) pode ser uma estratégia de menor risco. Além disso, a popularidade e o número de votos são melhores indicadores da nota do que o orçamento ou a receita sozinhos.</a:t>
+            </a:r>
+          </a:p>
+          <a:p>
+            <a:r>
+              <a:rPr lang="pt-BR" dirty="0"/>
+              <a:t>Para a </a:t>
+            </a:r>
+            <a:r>
+              <a:rPr lang="pt-BR" dirty="0" err="1"/>
+              <a:t>MovieScope</a:t>
+            </a:r>
+            <a:r>
+              <a:rPr lang="pt-BR" dirty="0"/>
+              <a:t>: Recomendo enriquecer o </a:t>
+            </a:r>
+            <a:r>
+              <a:rPr lang="pt-BR" dirty="0" err="1"/>
+              <a:t>dataset</a:t>
+            </a:r>
+            <a:r>
+              <a:rPr lang="pt-BR" dirty="0"/>
+              <a:t> com dados sobre diretores e elenco para criar modelos preditivos mais precisos, o que agregaria grande valor à nossa plataforma de análise.</a:t>
+            </a:r>
+          </a:p>
+        </p:txBody>
+      </p:sp>
+    </p:spTree>
+    <p:extLst>
+      <p:ext uri="{BB962C8B-B14F-4D97-AF65-F5344CB8AC3E}">
+        <p14:creationId xmlns:p14="http://schemas.microsoft.com/office/powerpoint/2010/main" val="1508005687"/>
       </p:ext>
     </p:extLst>
   </p:cSld>
